--- a/design/UI.pptx
+++ b/design/UI.pptx
@@ -3206,7 +3206,7 @@
         <p:spPr>
           <a:xfrm>
             <a:off x="7138494" y="0"/>
-            <a:ext cx="3451538" cy="5885818"/>
+            <a:ext cx="3451538" cy="6197600"/>
           </a:xfrm>
           <a:prstGeom prst="rect">
             <a:avLst/>
@@ -3293,7 +3293,7 @@
         </p:blipFill>
         <p:spPr>
           <a:xfrm>
-            <a:off x="8252937" y="3787791"/>
+            <a:off x="8252937" y="3762749"/>
             <a:ext cx="1219370" cy="1219370"/>
           </a:xfrm>
           <a:prstGeom prst="rect">
@@ -3323,7 +3323,7 @@
         </p:blipFill>
         <p:spPr>
           <a:xfrm>
-            <a:off x="8252937" y="2455632"/>
+            <a:off x="8252937" y="2315656"/>
             <a:ext cx="1219370" cy="1219370"/>
           </a:xfrm>
           <a:prstGeom prst="rect">
@@ -3353,7 +3353,7 @@
         </p:blipFill>
         <p:spPr>
           <a:xfrm>
-            <a:off x="8252937" y="1123473"/>
+            <a:off x="8252937" y="868563"/>
             <a:ext cx="1219370" cy="1219370"/>
           </a:xfrm>
           <a:prstGeom prst="rect">
@@ -4127,7 +4127,7 @@
         </p:blipFill>
         <p:spPr>
           <a:xfrm>
-            <a:off x="7634683" y="5311217"/>
+            <a:off x="7634682" y="5553246"/>
             <a:ext cx="2455877" cy="420664"/>
           </a:xfrm>
           <a:prstGeom prst="rect">
@@ -4135,6 +4135,52 @@
           </a:prstGeom>
         </p:spPr>
       </p:pic>
+      <p:sp>
+        <p:nvSpPr>
+          <p:cNvPr id="3" name="Arco 2"/>
+          <p:cNvSpPr/>
+          <p:nvPr/>
+        </p:nvSpPr>
+        <p:spPr>
+          <a:xfrm>
+            <a:off x="8176820" y="3686634"/>
+            <a:ext cx="1371600" cy="1371600"/>
+          </a:xfrm>
+          <a:prstGeom prst="arc">
+            <a:avLst>
+              <a:gd name="adj1" fmla="val 16200000"/>
+              <a:gd name="adj2" fmla="val 8472486"/>
+            </a:avLst>
+          </a:prstGeom>
+          <a:ln w="76200">
+            <a:solidFill>
+              <a:srgbClr val="BEEBA9"/>
+            </a:solidFill>
+          </a:ln>
+        </p:spPr>
+        <p:style>
+          <a:lnRef idx="1">
+            <a:schemeClr val="accent1"/>
+          </a:lnRef>
+          <a:fillRef idx="0">
+            <a:schemeClr val="accent1"/>
+          </a:fillRef>
+          <a:effectRef idx="0">
+            <a:schemeClr val="accent1"/>
+          </a:effectRef>
+          <a:fontRef idx="minor">
+            <a:schemeClr val="tx1"/>
+          </a:fontRef>
+        </p:style>
+        <p:txBody>
+          <a:bodyPr rtlCol="0" anchor="ctr"/>
+          <a:lstStyle/>
+          <a:p>
+            <a:pPr algn="ctr"/>
+            <a:endParaRPr lang="es-HN"/>
+          </a:p>
+        </p:txBody>
+      </p:sp>
     </p:spTree>
     <p:extLst>
       <p:ext uri="{BB962C8B-B14F-4D97-AF65-F5344CB8AC3E}">
